--- a/rpsc2023.pptx
+++ b/rpsc2023.pptx
@@ -228,6 +228,111 @@
 </p:presentation>
 </file>
 
+<file path=ppt/revisionInfo.xml><?xml version="1.0" encoding="utf-8"?>
+<p1510:revInfo xmlns:a="http://schemas.openxmlformats.org/drawingml/2006/main" xmlns:r="http://schemas.openxmlformats.org/officeDocument/2006/relationships" xmlns:p1510="http://schemas.microsoft.com/office/powerpoint/2015/10/main">
+  <p1510:revLst>
+    <p1510:client id="{8D16B680-E1F8-4724-AD26-14521498027E}" v="2" dt="2023-04-28T08:00:47.790"/>
+  </p1510:revLst>
+</p1510:revInfo>
+</file>
+
+<file path=ppt/changesInfos/changesInfo1.xml><?xml version="1.0" encoding="utf-8"?>
+<pc:chgInfo xmlns:a="http://schemas.openxmlformats.org/drawingml/2006/main" xmlns:r="http://schemas.openxmlformats.org/officeDocument/2006/relationships" xmlns:ac="http://schemas.microsoft.com/office/drawing/2013/main/command" xmlns:pc="http://schemas.microsoft.com/office/powerpoint/2013/main/command">
+  <pc:docChgLst>
+    <pc:chgData name="KNIGHT Fiona" userId="70e018af-4964-432f-af00-93fd6bb7710c" providerId="ADAL" clId="{8D16B680-E1F8-4724-AD26-14521498027E}"/>
+    <pc:docChg chg="custSel modSld">
+      <pc:chgData name="KNIGHT Fiona" userId="70e018af-4964-432f-af00-93fd6bb7710c" providerId="ADAL" clId="{8D16B680-E1F8-4724-AD26-14521498027E}" dt="2023-04-28T08:16:07.192" v="290" actId="20577"/>
+      <pc:docMkLst>
+        <pc:docMk/>
+      </pc:docMkLst>
+      <pc:sldChg chg="modSp mod">
+        <pc:chgData name="KNIGHT Fiona" userId="70e018af-4964-432f-af00-93fd6bb7710c" providerId="ADAL" clId="{8D16B680-E1F8-4724-AD26-14521498027E}" dt="2023-04-28T07:59:25.012" v="93" actId="20577"/>
+        <pc:sldMkLst>
+          <pc:docMk/>
+          <pc:sldMk cId="1931631352" sldId="306"/>
+        </pc:sldMkLst>
+        <pc:spChg chg="mod">
+          <ac:chgData name="KNIGHT Fiona" userId="70e018af-4964-432f-af00-93fd6bb7710c" providerId="ADAL" clId="{8D16B680-E1F8-4724-AD26-14521498027E}" dt="2023-04-28T07:59:25.012" v="93" actId="20577"/>
+          <ac:spMkLst>
+            <pc:docMk/>
+            <pc:sldMk cId="1931631352" sldId="306"/>
+            <ac:spMk id="3" creationId="{00000000-0000-0000-0000-000000000000}"/>
+          </ac:spMkLst>
+        </pc:spChg>
+      </pc:sldChg>
+      <pc:sldChg chg="addSp modSp mod">
+        <pc:chgData name="KNIGHT Fiona" userId="70e018af-4964-432f-af00-93fd6bb7710c" providerId="ADAL" clId="{8D16B680-E1F8-4724-AD26-14521498027E}" dt="2023-04-28T08:06:48.555" v="256" actId="1076"/>
+        <pc:sldMkLst>
+          <pc:docMk/>
+          <pc:sldMk cId="1321199550" sldId="396"/>
+        </pc:sldMkLst>
+        <pc:spChg chg="mod">
+          <ac:chgData name="KNIGHT Fiona" userId="70e018af-4964-432f-af00-93fd6bb7710c" providerId="ADAL" clId="{8D16B680-E1F8-4724-AD26-14521498027E}" dt="2023-04-28T08:06:44.226" v="255" actId="14100"/>
+          <ac:spMkLst>
+            <pc:docMk/>
+            <pc:sldMk cId="1321199550" sldId="396"/>
+            <ac:spMk id="3" creationId="{740BEE68-52EC-4A72-B25E-C644D862EA5D}"/>
+          </ac:spMkLst>
+        </pc:spChg>
+        <pc:picChg chg="add mod">
+          <ac:chgData name="KNIGHT Fiona" userId="70e018af-4964-432f-af00-93fd6bb7710c" providerId="ADAL" clId="{8D16B680-E1F8-4724-AD26-14521498027E}" dt="2023-04-28T08:06:48.555" v="256" actId="1076"/>
+          <ac:picMkLst>
+            <pc:docMk/>
+            <pc:sldMk cId="1321199550" sldId="396"/>
+            <ac:picMk id="5" creationId="{EC457063-4834-1D01-478A-072780C4AEBD}"/>
+          </ac:picMkLst>
+        </pc:picChg>
+      </pc:sldChg>
+      <pc:sldChg chg="modNotesTx">
+        <pc:chgData name="KNIGHT Fiona" userId="70e018af-4964-432f-af00-93fd6bb7710c" providerId="ADAL" clId="{8D16B680-E1F8-4724-AD26-14521498027E}" dt="2023-04-28T07:57:48.666" v="73" actId="20577"/>
+        <pc:sldMkLst>
+          <pc:docMk/>
+          <pc:sldMk cId="3655049248" sldId="397"/>
+        </pc:sldMkLst>
+      </pc:sldChg>
+      <pc:sldChg chg="modSp mod">
+        <pc:chgData name="KNIGHT Fiona" userId="70e018af-4964-432f-af00-93fd6bb7710c" providerId="ADAL" clId="{8D16B680-E1F8-4724-AD26-14521498027E}" dt="2023-04-28T07:59:34.357" v="95" actId="20577"/>
+        <pc:sldMkLst>
+          <pc:docMk/>
+          <pc:sldMk cId="912514210" sldId="399"/>
+        </pc:sldMkLst>
+        <pc:spChg chg="mod">
+          <ac:chgData name="KNIGHT Fiona" userId="70e018af-4964-432f-af00-93fd6bb7710c" providerId="ADAL" clId="{8D16B680-E1F8-4724-AD26-14521498027E}" dt="2023-04-28T07:59:34.357" v="95" actId="20577"/>
+          <ac:spMkLst>
+            <pc:docMk/>
+            <pc:sldMk cId="912514210" sldId="399"/>
+            <ac:spMk id="2" creationId="{68503272-7040-431B-A887-8E3B73550531}"/>
+          </ac:spMkLst>
+        </pc:spChg>
+        <pc:spChg chg="mod">
+          <ac:chgData name="KNIGHT Fiona" userId="70e018af-4964-432f-af00-93fd6bb7710c" providerId="ADAL" clId="{8D16B680-E1F8-4724-AD26-14521498027E}" dt="2023-04-28T07:49:46.707" v="56" actId="20577"/>
+          <ac:spMkLst>
+            <pc:docMk/>
+            <pc:sldMk cId="912514210" sldId="399"/>
+            <ac:spMk id="3" creationId="{75B17088-91F2-471E-A2AB-ACE245BFEE4E}"/>
+          </ac:spMkLst>
+        </pc:spChg>
+      </pc:sldChg>
+      <pc:sldChg chg="modSp mod">
+        <pc:chgData name="KNIGHT Fiona" userId="70e018af-4964-432f-af00-93fd6bb7710c" providerId="ADAL" clId="{8D16B680-E1F8-4724-AD26-14521498027E}" dt="2023-04-28T08:16:07.192" v="290" actId="20577"/>
+        <pc:sldMkLst>
+          <pc:docMk/>
+          <pc:sldMk cId="596277002" sldId="403"/>
+        </pc:sldMkLst>
+        <pc:spChg chg="mod">
+          <ac:chgData name="KNIGHT Fiona" userId="70e018af-4964-432f-af00-93fd6bb7710c" providerId="ADAL" clId="{8D16B680-E1F8-4724-AD26-14521498027E}" dt="2023-04-28T08:16:07.192" v="290" actId="20577"/>
+          <ac:spMkLst>
+            <pc:docMk/>
+            <pc:sldMk cId="596277002" sldId="403"/>
+            <ac:spMk id="3" creationId="{BC60B5DB-92C0-4FD6-B89C-281640CF2E26}"/>
+          </ac:spMkLst>
+        </pc:spChg>
+      </pc:sldChg>
+    </pc:docChg>
+  </pc:docChgLst>
+</pc:chgInfo>
+</file>
+
 <file path=ppt/handoutMasters/handoutMaster1.xml><?xml version="1.0" encoding="utf-8"?>
 <p:handoutMaster xmlns:a="http://schemas.openxmlformats.org/drawingml/2006/main" xmlns:r="http://schemas.openxmlformats.org/officeDocument/2006/relationships" xmlns:p="http://schemas.openxmlformats.org/presentationml/2006/main">
   <p:cSld>
@@ -317,7 +422,7 @@
           <a:p>
             <a:fld id="{4AA51AEC-D0A1-4FA9-895A-9A8FFF7736B3}" type="datetimeFigureOut">
               <a:rPr lang="en-GB" smtClean="0"/>
-              <a:t>19/04/2023</a:t>
+              <a:t>28/04/2023</a:t>
             </a:fld>
             <a:endParaRPr lang="en-GB" dirty="0"/>
           </a:p>
@@ -596,7 +701,7 @@
               <a:pPr>
                 <a:defRPr/>
               </a:pPr>
-              <a:t>19/04/2023</a:t>
+              <a:t>28/04/2023</a:t>
             </a:fld>
             <a:endParaRPr lang="en-GB" altLang="en-US" dirty="0"/>
           </a:p>
@@ -1175,27 +1280,7 @@
               <a:t>catState</a:t>
             </a:r>
             <a:r>
-              <a:rPr lang="en-GB" b="0" dirty="0">
-                <a:solidFill>
-                  <a:srgbClr val="D4D4D4"/>
-                </a:solidFill>
-                <a:effectLst/>
-                <a:latin typeface="Consolas" panose="020B0609020204030204" pitchFamily="49" charset="0"/>
-              </a:rPr>
-              <a:t> = </a:t>
-            </a:r>
-            <a:r>
-              <a:rPr lang="en-GB" b="0" dirty="0">
-                <a:solidFill>
-                  <a:srgbClr val="B5CEA8"/>
-                </a:solidFill>
-                <a:effectLst/>
-                <a:latin typeface="Consolas" panose="020B0609020204030204" pitchFamily="49" charset="0"/>
-              </a:rPr>
-              <a:t>2</a:t>
-            </a:r>
-            <a:r>
-              <a:rPr lang="en-GB" b="0" dirty="0">
+              <a:rPr lang="en-GB" b="0">
                 <a:solidFill>
                   <a:srgbClr val="D4D4D4"/>
                 </a:solidFill>
@@ -1204,6 +1289,13 @@
               </a:rPr>
               <a:t>;</a:t>
             </a:r>
+            <a:endParaRPr lang="en-GB" b="0" dirty="0">
+              <a:solidFill>
+                <a:srgbClr val="D4D4D4"/>
+              </a:solidFill>
+              <a:effectLst/>
+              <a:latin typeface="Consolas" panose="020B0609020204030204" pitchFamily="49" charset="0"/>
+            </a:endParaRPr>
           </a:p>
           <a:p>
             <a:endParaRPr lang="en-GB" b="0" dirty="0">
@@ -9706,7 +9798,7 @@
         <p:spPr>
           <a:xfrm>
             <a:off x="446856" y="1131590"/>
-            <a:ext cx="8229600" cy="2808313"/>
+            <a:ext cx="4214142" cy="2808313"/>
           </a:xfrm>
         </p:spPr>
         <p:txBody>
@@ -9719,12 +9811,9 @@
               </a:spcBef>
             </a:pPr>
             <a:r>
-              <a:rPr lang="en-GB" sz="2000" dirty="0">
-                <a:hlinkClick r:id="rId2"/>
-              </a:rPr>
-              <a:t>https://github.com/fi67/startPoint</a:t>
-            </a:r>
-            <a:endParaRPr lang="en-GB" sz="2000" dirty="0"/>
+              <a:rPr lang="en-GB" sz="2000" dirty="0"/>
+              <a:t>The starter files </a:t>
+            </a:r>
           </a:p>
           <a:p>
             <a:pPr>
@@ -9733,13 +9822,23 @@
               </a:spcBef>
             </a:pPr>
             <a:r>
+              <a:rPr lang="en-GB" sz="2000" dirty="0"/>
+              <a:t>Download zip at home if you want to try it</a:t>
+            </a:r>
+          </a:p>
+          <a:p>
+            <a:pPr>
+              <a:spcBef>
+                <a:spcPts val="900"/>
+              </a:spcBef>
+            </a:pPr>
+            <a:r>
               <a:rPr lang="en-GB" sz="2000" dirty="0">
-                <a:solidFill>
-                  <a:schemeClr val="tx1"/>
-                </a:solidFill>
-              </a:rPr>
-              <a:t>Download zip</a:t>
-            </a:r>
+                <a:hlinkClick r:id="rId2"/>
+              </a:rPr>
+              <a:t>https://github.com/fi67/startPoint</a:t>
+            </a:r>
+            <a:endParaRPr lang="en-GB" sz="2000" dirty="0"/>
           </a:p>
         </p:txBody>
       </p:sp>
@@ -9773,8 +9872,8 @@
           </a:prstGeom>
         </p:spPr>
       </p:pic>
-      <mc:AlternateContent xmlns:mc="http://schemas.openxmlformats.org/markup-compatibility/2006">
-        <mc:Choice xmlns:p14="http://schemas.microsoft.com/office/powerpoint/2010/main" Requires="p14">
+      <mc:AlternateContent xmlns:mc="http://schemas.openxmlformats.org/markup-compatibility/2006" xmlns:p14="http://schemas.microsoft.com/office/powerpoint/2010/main">
+        <mc:Choice Requires="p14">
           <p:contentPart p14:bwMode="auto" r:id="rId4">
             <p14:nvContentPartPr>
               <p14:cNvPr id="17" name="Ink 16">
@@ -9793,7 +9892,7 @@
             </p14:xfrm>
           </p:contentPart>
         </mc:Choice>
-        <mc:Fallback>
+        <mc:Fallback xmlns="">
           <p:pic>
             <p:nvPicPr>
               <p:cNvPr id="17" name="Ink 16">
@@ -9824,8 +9923,8 @@
           </p:pic>
         </mc:Fallback>
       </mc:AlternateContent>
-      <mc:AlternateContent xmlns:mc="http://schemas.openxmlformats.org/markup-compatibility/2006">
-        <mc:Choice xmlns:p14="http://schemas.microsoft.com/office/powerpoint/2010/main" Requires="p14">
+      <mc:AlternateContent xmlns:mc="http://schemas.openxmlformats.org/markup-compatibility/2006" xmlns:p14="http://schemas.microsoft.com/office/powerpoint/2010/main">
+        <mc:Choice Requires="p14">
           <p:contentPart p14:bwMode="auto" r:id="rId6">
             <p14:nvContentPartPr>
               <p14:cNvPr id="18" name="Ink 17">
@@ -9844,7 +9943,7 @@
             </p14:xfrm>
           </p:contentPart>
         </mc:Choice>
-        <mc:Fallback>
+        <mc:Fallback xmlns="">
           <p:pic>
             <p:nvPicPr>
               <p:cNvPr id="18" name="Ink 17">
@@ -9875,8 +9974,8 @@
           </p:pic>
         </mc:Fallback>
       </mc:AlternateContent>
-      <mc:AlternateContent xmlns:mc="http://schemas.openxmlformats.org/markup-compatibility/2006">
-        <mc:Choice xmlns:p14="http://schemas.microsoft.com/office/powerpoint/2010/main" Requires="p14">
+      <mc:AlternateContent xmlns:mc="http://schemas.openxmlformats.org/markup-compatibility/2006" xmlns:p14="http://schemas.microsoft.com/office/powerpoint/2010/main">
+        <mc:Choice Requires="p14">
           <p:contentPart p14:bwMode="auto" r:id="rId8">
             <p14:nvContentPartPr>
               <p14:cNvPr id="19" name="Ink 18">
@@ -9895,7 +9994,7 @@
             </p14:xfrm>
           </p:contentPart>
         </mc:Choice>
-        <mc:Fallback>
+        <mc:Fallback xmlns="">
           <p:pic>
             <p:nvPicPr>
               <p:cNvPr id="19" name="Ink 18">
@@ -10021,7 +10120,7 @@
             <a:pPr lvl="1"/>
             <a:r>
               <a:rPr lang="en-GB" dirty="0"/>
-              <a:t>Show how it can be built on Alexa</a:t>
+              <a:t>Build it on Alexa</a:t>
             </a:r>
           </a:p>
         </p:txBody>
@@ -10100,13 +10199,46 @@
             <p:ph idx="1"/>
           </p:nvPr>
         </p:nvSpPr>
-        <p:spPr/>
+        <p:spPr>
+          <a:xfrm>
+            <a:off x="467543" y="1347613"/>
+            <a:ext cx="7488833" cy="2808313"/>
+          </a:xfrm>
+        </p:spPr>
         <p:txBody>
           <a:bodyPr/>
           <a:lstStyle/>
           <a:p>
             <a:r>
               <a:rPr lang="en-GB" sz="2000" dirty="0"/>
+              <a:t>We will use visual studio code (other editors are available!)</a:t>
+            </a:r>
+          </a:p>
+          <a:p>
+            <a:r>
+              <a:rPr lang="en-GB" sz="2000" dirty="0"/>
+              <a:t>If you want it – its free - </a:t>
+            </a:r>
+            <a:r>
+              <a:rPr lang="en-GB" sz="2000" dirty="0">
+                <a:hlinkClick r:id="rId2"/>
+              </a:rPr>
+              <a:t>https://code.visualstudio.com/</a:t>
+            </a:r>
+            <a:r>
+              <a:rPr lang="en-GB" sz="2000" dirty="0"/>
+              <a:t> </a:t>
+            </a:r>
+          </a:p>
+          <a:p>
+            <a:r>
+              <a:rPr lang="en-GB" sz="2000" dirty="0"/>
+              <a:t>We will open the folder with all the files in it</a:t>
+            </a:r>
+          </a:p>
+          <a:p>
+            <a:r>
+              <a:rPr lang="en-GB" sz="2000" dirty="0"/>
               <a:t>Lets look at the files</a:t>
             </a:r>
           </a:p>
@@ -10132,19 +10264,9 @@
             </a:r>
           </a:p>
           <a:p>
-            <a:pPr lvl="1"/>
-            <a:endParaRPr lang="en-GB" sz="1600" dirty="0"/>
-          </a:p>
-          <a:p>
             <a:r>
               <a:rPr lang="en-GB" sz="2000" dirty="0"/>
-              <a:t>On the following slides we will add the JS file. </a:t>
-            </a:r>
-          </a:p>
-          <a:p>
-            <a:r>
-              <a:rPr lang="en-GB" sz="2000" dirty="0"/>
-              <a:t>The code for each bit is in the notes at the bottom of the slides</a:t>
+              <a:t>On the following slides we will add the JS file.- the code for each bit is in the snippets.txt file</a:t>
             </a:r>
           </a:p>
           <a:p>
@@ -10152,6 +10274,36 @@
           </a:p>
         </p:txBody>
       </p:sp>
+      <p:pic>
+        <p:nvPicPr>
+          <p:cNvPr id="5" name="Picture 4">
+            <a:extLst>
+              <a:ext uri="{FF2B5EF4-FFF2-40B4-BE49-F238E27FC236}">
+                <a16:creationId xmlns:a16="http://schemas.microsoft.com/office/drawing/2014/main" id="{EC457063-4834-1D01-478A-072780C4AEBD}"/>
+              </a:ext>
+            </a:extLst>
+          </p:cNvPr>
+          <p:cNvPicPr>
+            <a:picLocks noChangeAspect="1"/>
+          </p:cNvPicPr>
+          <p:nvPr/>
+        </p:nvPicPr>
+        <p:blipFill>
+          <a:blip r:embed="rId3"/>
+          <a:stretch>
+            <a:fillRect/>
+          </a:stretch>
+        </p:blipFill>
+        <p:spPr>
+          <a:xfrm>
+            <a:off x="6012160" y="2067694"/>
+            <a:ext cx="2973018" cy="1641156"/>
+          </a:xfrm>
+          <a:prstGeom prst="rect">
+            <a:avLst/>
+          </a:prstGeom>
+        </p:spPr>
+      </p:pic>
     </p:spTree>
     <p:extLst>
       <p:ext uri="{BB962C8B-B14F-4D97-AF65-F5344CB8AC3E}">
@@ -10889,7 +11041,7 @@
             <a:pPr lvl="1"/>
             <a:r>
               <a:rPr lang="en-GB" sz="2000" dirty="0"/>
-              <a:t>Right click index.html – open with chrome</a:t>
+              <a:t>Simple way, but not the best - right click index.html – open with chrome</a:t>
             </a:r>
           </a:p>
           <a:p>

--- a/rpsc2023.pptx
+++ b/rpsc2023.pptx
@@ -50,23 +50,23 @@
     <p:sldId id="442" r:id="rId38"/>
     <p:sldId id="449" r:id="rId39"/>
     <p:sldId id="490" r:id="rId40"/>
-    <p:sldId id="445" r:id="rId41"/>
-    <p:sldId id="491" r:id="rId42"/>
-    <p:sldId id="451" r:id="rId43"/>
-    <p:sldId id="452" r:id="rId44"/>
-    <p:sldId id="468" r:id="rId45"/>
-    <p:sldId id="453" r:id="rId46"/>
-    <p:sldId id="483" r:id="rId47"/>
-    <p:sldId id="494" r:id="rId48"/>
-    <p:sldId id="455" r:id="rId49"/>
-    <p:sldId id="495" r:id="rId50"/>
-    <p:sldId id="496" r:id="rId51"/>
-    <p:sldId id="497" r:id="rId52"/>
-    <p:sldId id="498" r:id="rId53"/>
-    <p:sldId id="499" r:id="rId54"/>
-    <p:sldId id="305" r:id="rId55"/>
-    <p:sldId id="342" r:id="rId56"/>
-    <p:sldId id="278" r:id="rId57"/>
+    <p:sldId id="500" r:id="rId41"/>
+    <p:sldId id="445" r:id="rId42"/>
+    <p:sldId id="491" r:id="rId43"/>
+    <p:sldId id="451" r:id="rId44"/>
+    <p:sldId id="452" r:id="rId45"/>
+    <p:sldId id="468" r:id="rId46"/>
+    <p:sldId id="453" r:id="rId47"/>
+    <p:sldId id="483" r:id="rId48"/>
+    <p:sldId id="494" r:id="rId49"/>
+    <p:sldId id="455" r:id="rId50"/>
+    <p:sldId id="495" r:id="rId51"/>
+    <p:sldId id="496" r:id="rId52"/>
+    <p:sldId id="497" r:id="rId53"/>
+    <p:sldId id="498" r:id="rId54"/>
+    <p:sldId id="499" r:id="rId55"/>
+    <p:sldId id="305" r:id="rId56"/>
+    <p:sldId id="342" r:id="rId57"/>
   </p:sldIdLst>
   <p:sldSz cx="9144000" cy="5143500" type="screen16x9"/>
   <p:notesSz cx="7315200" cy="9601200"/>
@@ -422,7 +422,7 @@
           <a:p>
             <a:fld id="{4AA51AEC-D0A1-4FA9-895A-9A8FFF7736B3}" type="datetimeFigureOut">
               <a:rPr lang="en-GB" smtClean="0"/>
-              <a:t>28/04/2023</a:t>
+              <a:t>17/10/2023</a:t>
             </a:fld>
             <a:endParaRPr lang="en-GB" dirty="0"/>
           </a:p>
@@ -701,7 +701,7 @@
               <a:pPr>
                 <a:defRPr/>
               </a:pPr>
-              <a:t>28/04/2023</a:t>
+              <a:t>17/10/2023</a:t>
             </a:fld>
             <a:endParaRPr lang="en-GB" altLang="en-US" dirty="0"/>
           </a:p>
@@ -9775,7 +9775,7 @@
           <a:p>
             <a:r>
               <a:rPr lang="en-GB" dirty="0"/>
-              <a:t>Lets write some code …</a:t>
+              <a:t>Lets get to the code…</a:t>
             </a:r>
             <a:endParaRPr lang="en-GB" dirty="0">
               <a:solidFill>
@@ -9813,6 +9813,28 @@
             <a:r>
               <a:rPr lang="en-GB" sz="2000" dirty="0"/>
               <a:t>The starter files </a:t>
+            </a:r>
+          </a:p>
+          <a:p>
+            <a:pPr>
+              <a:spcBef>
+                <a:spcPts val="900"/>
+              </a:spcBef>
+            </a:pPr>
+            <a:r>
+              <a:rPr lang="en-GB" sz="2000" dirty="0"/>
+              <a:t>We don’t have time today for you to try</a:t>
+            </a:r>
+          </a:p>
+          <a:p>
+            <a:pPr>
+              <a:spcBef>
+                <a:spcPts val="900"/>
+              </a:spcBef>
+            </a:pPr>
+            <a:r>
+              <a:rPr lang="en-GB" sz="2000" dirty="0"/>
+              <a:t>BUT</a:t>
             </a:r>
           </a:p>
           <a:p>
@@ -11349,6 +11371,12 @@
               <a:t>I will show you what to do so you can try this at home.</a:t>
             </a:r>
           </a:p>
+          <a:p>
+            <a:r>
+              <a:rPr lang="en-GB" dirty="0"/>
+              <a:t>Need an adult to set up the account</a:t>
+            </a:r>
+          </a:p>
         </p:txBody>
       </p:sp>
     </p:spTree>
@@ -11662,7 +11690,7 @@
         <p:spPr>
           <a:xfrm>
             <a:off x="2062062" y="195487"/>
-            <a:ext cx="2304257" cy="1224136"/>
+            <a:ext cx="4958210" cy="1224136"/>
           </a:xfrm>
         </p:spPr>
         <p:txBody>
@@ -11690,10 +11718,10 @@
       </p:sp>
       <p:pic>
         <p:nvPicPr>
-          <p:cNvPr id="5" name="Picture 4">
+          <p:cNvPr id="6" name="Picture 5">
             <a:extLst>
               <a:ext uri="{FF2B5EF4-FFF2-40B4-BE49-F238E27FC236}">
-                <a16:creationId xmlns:a16="http://schemas.microsoft.com/office/drawing/2014/main" id="{180FBE4C-FF00-47DB-BBD5-05341D793864}"/>
+                <a16:creationId xmlns:a16="http://schemas.microsoft.com/office/drawing/2014/main" id="{3D37387D-9987-4AE1-A907-DC8B876C911F}"/>
               </a:ext>
             </a:extLst>
           </p:cNvPr>
@@ -11710,8 +11738,8 @@
         </p:blipFill>
         <p:spPr>
           <a:xfrm>
-            <a:off x="179512" y="1419623"/>
-            <a:ext cx="7940942" cy="3662138"/>
+            <a:off x="200199" y="1445492"/>
+            <a:ext cx="8280920" cy="3665325"/>
           </a:xfrm>
           <a:prstGeom prst="rect">
             <a:avLst/>
@@ -12720,7 +12748,7 @@
           <a:p>
             <a:r>
               <a:rPr lang="en-GB" sz="2000" dirty="0"/>
-              <a:t>Whenever you make a change it is best to save and build the model</a:t>
+              <a:t>Whenever you make a change it is best to save and build the skill</a:t>
             </a:r>
           </a:p>
           <a:p>
@@ -12729,23 +12757,23 @@
           <a:p>
             <a:r>
               <a:rPr lang="en-GB" sz="2000" dirty="0"/>
-              <a:t>Press ‘Save Model’ and you will be notified it has saved successfully (the button will also grey out)</a:t>
+              <a:t>Press ‘Save’ and you will be notified it has saved successfully (the button will also grey out)</a:t>
             </a:r>
           </a:p>
           <a:p>
             <a:r>
               <a:rPr lang="en-GB" sz="2000" dirty="0"/>
-              <a:t>Press ‘Build Model’ and the model will build (this may take some time)</a:t>
+              <a:t>Press ‘Build skill’ and the skill will build (this may take some time)</a:t>
             </a:r>
           </a:p>
         </p:txBody>
       </p:sp>
       <p:pic>
         <p:nvPicPr>
-          <p:cNvPr id="5" name="Picture 4">
+          <p:cNvPr id="6" name="Picture 5">
             <a:extLst>
               <a:ext uri="{FF2B5EF4-FFF2-40B4-BE49-F238E27FC236}">
-                <a16:creationId xmlns:a16="http://schemas.microsoft.com/office/drawing/2014/main" id="{7D7B1A2D-4C23-497D-9057-6C2D00B76C87}"/>
+                <a16:creationId xmlns:a16="http://schemas.microsoft.com/office/drawing/2014/main" id="{9BF7FEDF-44FC-4A0C-8844-23E79B176067}"/>
               </a:ext>
             </a:extLst>
           </p:cNvPr>
@@ -12754,15 +12782,16 @@
           </p:cNvPicPr>
           <p:nvPr/>
         </p:nvPicPr>
-        <p:blipFill rotWithShape="1">
+        <p:blipFill>
           <a:blip r:embed="rId2"/>
-          <a:srcRect r="36136"/>
-          <a:stretch/>
+          <a:stretch>
+            <a:fillRect/>
+          </a:stretch>
         </p:blipFill>
         <p:spPr>
           <a:xfrm>
-            <a:off x="3681250" y="324541"/>
-            <a:ext cx="5252976" cy="807049"/>
+            <a:off x="-8317" y="3651870"/>
+            <a:ext cx="9144000" cy="373224"/>
           </a:xfrm>
           <a:prstGeom prst="rect">
             <a:avLst/>
@@ -12962,7 +12991,7 @@
             <a:pPr lvl="1"/>
             <a:r>
               <a:rPr lang="en-GB" sz="2000" dirty="0"/>
-              <a:t>values rock, paper, scissors, cat </a:t>
+              <a:t>values rock, paper, scissors, cat (save it)</a:t>
             </a:r>
           </a:p>
           <a:p>
@@ -13203,6 +13232,18 @@
         <p:txBody>
           <a:bodyPr/>
           <a:lstStyle/>
+          <a:p>
+            <a:r>
+              <a:rPr lang="en-GB" sz="2000" dirty="0"/>
+              <a:t>Click on ‘Interaction Model’</a:t>
+            </a:r>
+          </a:p>
+          <a:p>
+            <a:r>
+              <a:rPr lang="en-GB" sz="2000" dirty="0"/>
+              <a:t>Click on ‘intents’</a:t>
+            </a:r>
+          </a:p>
           <a:p>
             <a:r>
               <a:rPr lang="en-GB" sz="2000" dirty="0"/>
@@ -13534,7 +13575,248 @@
             <a:endParaRPr lang="en-GB" sz="2000" dirty="0"/>
           </a:p>
           <a:p>
+            <a:r>
+              <a:rPr lang="en-GB" sz="2000" dirty="0"/>
+              <a:t>Create custom intent</a:t>
+            </a:r>
+          </a:p>
+          <a:p>
             <a:endParaRPr lang="en-GB" dirty="0"/>
+          </a:p>
+          <a:p>
+            <a:endParaRPr lang="en-GB" dirty="0"/>
+          </a:p>
+        </p:txBody>
+      </p:sp>
+      <p:pic>
+        <p:nvPicPr>
+          <p:cNvPr id="7" name="Picture 6">
+            <a:extLst>
+              <a:ext uri="{FF2B5EF4-FFF2-40B4-BE49-F238E27FC236}">
+                <a16:creationId xmlns:a16="http://schemas.microsoft.com/office/drawing/2014/main" id="{3B516423-E9F0-46A9-8821-5964134DE72E}"/>
+              </a:ext>
+            </a:extLst>
+          </p:cNvPr>
+          <p:cNvPicPr>
+            <a:picLocks noChangeAspect="1"/>
+          </p:cNvPicPr>
+          <p:nvPr/>
+        </p:nvPicPr>
+        <p:blipFill>
+          <a:blip r:embed="rId2"/>
+          <a:stretch>
+            <a:fillRect/>
+          </a:stretch>
+        </p:blipFill>
+        <p:spPr>
+          <a:xfrm>
+            <a:off x="293660" y="1707654"/>
+            <a:ext cx="8156291" cy="2232248"/>
+          </a:xfrm>
+          <a:prstGeom prst="rect">
+            <a:avLst/>
+          </a:prstGeom>
+        </p:spPr>
+      </p:pic>
+    </p:spTree>
+    <p:extLst>
+      <p:ext uri="{BB962C8B-B14F-4D97-AF65-F5344CB8AC3E}">
+        <p14:creationId xmlns:p14="http://schemas.microsoft.com/office/powerpoint/2010/main" val="4058717723"/>
+      </p:ext>
+    </p:extLst>
+  </p:cSld>
+  <p:clrMapOvr>
+    <a:masterClrMapping/>
+  </p:clrMapOvr>
+</p:sld>
+</file>
+
+<file path=ppt/slides/slide4.xml><?xml version="1.0" encoding="utf-8"?>
+<p:sld xmlns:a="http://schemas.openxmlformats.org/drawingml/2006/main" xmlns:r="http://schemas.openxmlformats.org/officeDocument/2006/relationships" xmlns:p="http://schemas.openxmlformats.org/presentationml/2006/main">
+  <p:cSld>
+    <p:spTree>
+      <p:nvGrpSpPr>
+        <p:cNvPr id="1" name=""/>
+        <p:cNvGrpSpPr/>
+        <p:nvPr/>
+      </p:nvGrpSpPr>
+      <p:grpSpPr>
+        <a:xfrm>
+          <a:off x="0" y="0"/>
+          <a:ext cx="0" cy="0"/>
+          <a:chOff x="0" y="0"/>
+          <a:chExt cx="0" cy="0"/>
+        </a:xfrm>
+      </p:grpSpPr>
+      <p:sp>
+        <p:nvSpPr>
+          <p:cNvPr id="2" name="Title 1">
+            <a:extLst>
+              <a:ext uri="{FF2B5EF4-FFF2-40B4-BE49-F238E27FC236}">
+                <a16:creationId xmlns:a16="http://schemas.microsoft.com/office/drawing/2014/main" id="{45B8B4EE-6E9A-453A-A1D7-AE8E66CEBBE1}"/>
+              </a:ext>
+            </a:extLst>
+          </p:cNvPr>
+          <p:cNvSpPr>
+            <a:spLocks noGrp="1"/>
+          </p:cNvSpPr>
+          <p:nvPr>
+            <p:ph type="title"/>
+          </p:nvPr>
+        </p:nvSpPr>
+        <p:spPr/>
+        <p:txBody>
+          <a:bodyPr/>
+          <a:lstStyle/>
+          <a:p>
+            <a:r>
+              <a:rPr lang="en-GB" dirty="0"/>
+              <a:t>Programming</a:t>
+            </a:r>
+          </a:p>
+        </p:txBody>
+      </p:sp>
+      <p:sp>
+        <p:nvSpPr>
+          <p:cNvPr id="3" name="Content Placeholder 2">
+            <a:extLst>
+              <a:ext uri="{FF2B5EF4-FFF2-40B4-BE49-F238E27FC236}">
+                <a16:creationId xmlns:a16="http://schemas.microsoft.com/office/drawing/2014/main" id="{9BF47DBC-A33F-4C26-B2A3-7FC68FAECEEC}"/>
+              </a:ext>
+            </a:extLst>
+          </p:cNvPr>
+          <p:cNvSpPr>
+            <a:spLocks noGrp="1"/>
+          </p:cNvSpPr>
+          <p:nvPr>
+            <p:ph idx="1"/>
+          </p:nvPr>
+        </p:nvSpPr>
+        <p:spPr/>
+        <p:txBody>
+          <a:bodyPr/>
+          <a:lstStyle/>
+          <a:p>
+            <a:r>
+              <a:rPr lang="en-GB" sz="2000" dirty="0"/>
+              <a:t>Part of a ‘computer science’ degree</a:t>
+            </a:r>
+          </a:p>
+          <a:p>
+            <a:pPr lvl="1"/>
+            <a:r>
+              <a:rPr lang="en-GB" sz="2000" dirty="0"/>
+              <a:t>Specialist area is Software development / software engineering</a:t>
+            </a:r>
+          </a:p>
+          <a:p>
+            <a:r>
+              <a:rPr lang="en-GB" sz="2000" dirty="0"/>
+              <a:t>Many different languages</a:t>
+            </a:r>
+          </a:p>
+          <a:p>
+            <a:pPr lvl="1"/>
+            <a:r>
+              <a:rPr lang="en-GB" sz="2000" dirty="0"/>
+              <a:t>Java, C#, C, JavaScript, Dart, Go, Rust, Kotlin,  PHP, Ruby etc. etc.</a:t>
+            </a:r>
+          </a:p>
+        </p:txBody>
+      </p:sp>
+    </p:spTree>
+    <p:extLst>
+      <p:ext uri="{BB962C8B-B14F-4D97-AF65-F5344CB8AC3E}">
+        <p14:creationId xmlns:p14="http://schemas.microsoft.com/office/powerpoint/2010/main" val="2793366703"/>
+      </p:ext>
+    </p:extLst>
+  </p:cSld>
+  <p:clrMapOvr>
+    <a:masterClrMapping/>
+  </p:clrMapOvr>
+</p:sld>
+</file>
+
+<file path=ppt/slides/slide40.xml><?xml version="1.0" encoding="utf-8"?>
+<p:sld xmlns:a="http://schemas.openxmlformats.org/drawingml/2006/main" xmlns:r="http://schemas.openxmlformats.org/officeDocument/2006/relationships" xmlns:p="http://schemas.openxmlformats.org/presentationml/2006/main">
+  <p:cSld>
+    <p:spTree>
+      <p:nvGrpSpPr>
+        <p:cNvPr id="1" name=""/>
+        <p:cNvGrpSpPr/>
+        <p:nvPr/>
+      </p:nvGrpSpPr>
+      <p:grpSpPr>
+        <a:xfrm>
+          <a:off x="0" y="0"/>
+          <a:ext cx="0" cy="0"/>
+          <a:chOff x="0" y="0"/>
+          <a:chExt cx="0" cy="0"/>
+        </a:xfrm>
+      </p:grpSpPr>
+      <p:sp>
+        <p:nvSpPr>
+          <p:cNvPr id="2" name="Title 1">
+            <a:extLst>
+              <a:ext uri="{FF2B5EF4-FFF2-40B4-BE49-F238E27FC236}">
+                <a16:creationId xmlns:a16="http://schemas.microsoft.com/office/drawing/2014/main" id="{B1422D22-2013-4BD7-8B57-58F5FF4EA38D}"/>
+              </a:ext>
+            </a:extLst>
+          </p:cNvPr>
+          <p:cNvSpPr>
+            <a:spLocks noGrp="1"/>
+          </p:cNvSpPr>
+          <p:nvPr>
+            <p:ph type="title"/>
+          </p:nvPr>
+        </p:nvSpPr>
+        <p:spPr>
+          <a:xfrm>
+            <a:off x="323528" y="202914"/>
+            <a:ext cx="8229599" cy="641226"/>
+          </a:xfrm>
+        </p:spPr>
+        <p:txBody>
+          <a:bodyPr/>
+          <a:lstStyle/>
+          <a:p>
+            <a:r>
+              <a:rPr lang="en-GB" dirty="0"/>
+              <a:t>Intents</a:t>
+            </a:r>
+          </a:p>
+        </p:txBody>
+      </p:sp>
+      <p:sp>
+        <p:nvSpPr>
+          <p:cNvPr id="3" name="Content Placeholder 2">
+            <a:extLst>
+              <a:ext uri="{FF2B5EF4-FFF2-40B4-BE49-F238E27FC236}">
+                <a16:creationId xmlns:a16="http://schemas.microsoft.com/office/drawing/2014/main" id="{397FF5F7-9512-408D-8750-95F494097B50}"/>
+              </a:ext>
+            </a:extLst>
+          </p:cNvPr>
+          <p:cNvSpPr>
+            <a:spLocks noGrp="1"/>
+          </p:cNvSpPr>
+          <p:nvPr>
+            <p:ph idx="1"/>
+          </p:nvPr>
+        </p:nvSpPr>
+        <p:spPr>
+          <a:xfrm>
+            <a:off x="1907704" y="562371"/>
+            <a:ext cx="5184576" cy="641227"/>
+          </a:xfrm>
+        </p:spPr>
+        <p:txBody>
+          <a:bodyPr/>
+          <a:lstStyle/>
+          <a:p>
+            <a:r>
+              <a:rPr lang="en-GB" dirty="0"/>
+              <a:t>Add this and then save</a:t>
+            </a:r>
           </a:p>
           <a:p>
             <a:endParaRPr lang="en-GB" dirty="0"/>
@@ -13604,7 +13886,7 @@
     </p:spTree>
     <p:extLst>
       <p:ext uri="{BB962C8B-B14F-4D97-AF65-F5344CB8AC3E}">
-        <p14:creationId xmlns:p14="http://schemas.microsoft.com/office/powerpoint/2010/main" val="4058717723"/>
+        <p14:creationId xmlns:p14="http://schemas.microsoft.com/office/powerpoint/2010/main" val="1270643563"/>
       </p:ext>
     </p:extLst>
   </p:cSld>
@@ -13614,113 +13896,7 @@
 </p:sld>
 </file>
 
-<file path=ppt/slides/slide4.xml><?xml version="1.0" encoding="utf-8"?>
-<p:sld xmlns:a="http://schemas.openxmlformats.org/drawingml/2006/main" xmlns:r="http://schemas.openxmlformats.org/officeDocument/2006/relationships" xmlns:p="http://schemas.openxmlformats.org/presentationml/2006/main">
-  <p:cSld>
-    <p:spTree>
-      <p:nvGrpSpPr>
-        <p:cNvPr id="1" name=""/>
-        <p:cNvGrpSpPr/>
-        <p:nvPr/>
-      </p:nvGrpSpPr>
-      <p:grpSpPr>
-        <a:xfrm>
-          <a:off x="0" y="0"/>
-          <a:ext cx="0" cy="0"/>
-          <a:chOff x="0" y="0"/>
-          <a:chExt cx="0" cy="0"/>
-        </a:xfrm>
-      </p:grpSpPr>
-      <p:sp>
-        <p:nvSpPr>
-          <p:cNvPr id="2" name="Title 1">
-            <a:extLst>
-              <a:ext uri="{FF2B5EF4-FFF2-40B4-BE49-F238E27FC236}">
-                <a16:creationId xmlns:a16="http://schemas.microsoft.com/office/drawing/2014/main" id="{45B8B4EE-6E9A-453A-A1D7-AE8E66CEBBE1}"/>
-              </a:ext>
-            </a:extLst>
-          </p:cNvPr>
-          <p:cNvSpPr>
-            <a:spLocks noGrp="1"/>
-          </p:cNvSpPr>
-          <p:nvPr>
-            <p:ph type="title"/>
-          </p:nvPr>
-        </p:nvSpPr>
-        <p:spPr/>
-        <p:txBody>
-          <a:bodyPr/>
-          <a:lstStyle/>
-          <a:p>
-            <a:r>
-              <a:rPr lang="en-GB" dirty="0"/>
-              <a:t>Programming</a:t>
-            </a:r>
-          </a:p>
-        </p:txBody>
-      </p:sp>
-      <p:sp>
-        <p:nvSpPr>
-          <p:cNvPr id="3" name="Content Placeholder 2">
-            <a:extLst>
-              <a:ext uri="{FF2B5EF4-FFF2-40B4-BE49-F238E27FC236}">
-                <a16:creationId xmlns:a16="http://schemas.microsoft.com/office/drawing/2014/main" id="{9BF47DBC-A33F-4C26-B2A3-7FC68FAECEEC}"/>
-              </a:ext>
-            </a:extLst>
-          </p:cNvPr>
-          <p:cNvSpPr>
-            <a:spLocks noGrp="1"/>
-          </p:cNvSpPr>
-          <p:nvPr>
-            <p:ph idx="1"/>
-          </p:nvPr>
-        </p:nvSpPr>
-        <p:spPr/>
-        <p:txBody>
-          <a:bodyPr/>
-          <a:lstStyle/>
-          <a:p>
-            <a:r>
-              <a:rPr lang="en-GB" sz="2000" dirty="0"/>
-              <a:t>Part of a ‘computer science’ degree</a:t>
-            </a:r>
-          </a:p>
-          <a:p>
-            <a:pPr lvl="1"/>
-            <a:r>
-              <a:rPr lang="en-GB" sz="2000" dirty="0"/>
-              <a:t>Specialist area is Software development / software engineering</a:t>
-            </a:r>
-          </a:p>
-          <a:p>
-            <a:r>
-              <a:rPr lang="en-GB" sz="2000" dirty="0"/>
-              <a:t>Many different languages</a:t>
-            </a:r>
-          </a:p>
-          <a:p>
-            <a:pPr lvl="1"/>
-            <a:r>
-              <a:rPr lang="en-GB" sz="2000" dirty="0"/>
-              <a:t>Java, C#, C, JavaScript, Dart, Go, Rust, Kotlin,  PHP, Ruby etc. etc.</a:t>
-            </a:r>
-          </a:p>
-        </p:txBody>
-      </p:sp>
-    </p:spTree>
-    <p:extLst>
-      <p:ext uri="{BB962C8B-B14F-4D97-AF65-F5344CB8AC3E}">
-        <p14:creationId xmlns:p14="http://schemas.microsoft.com/office/powerpoint/2010/main" val="2793366703"/>
-      </p:ext>
-    </p:extLst>
-  </p:cSld>
-  <p:clrMapOvr>
-    <a:masterClrMapping/>
-  </p:clrMapOvr>
-</p:sld>
-</file>
-
-<file path=ppt/slides/slide40.xml><?xml version="1.0" encoding="utf-8"?>
+<file path=ppt/slides/slide41.xml><?xml version="1.0" encoding="utf-8"?>
 <p:sld xmlns:a="http://schemas.openxmlformats.org/drawingml/2006/main" xmlns:r="http://schemas.openxmlformats.org/officeDocument/2006/relationships" xmlns:p="http://schemas.openxmlformats.org/presentationml/2006/main">
   <p:cSld>
     <p:spTree>
@@ -13860,7 +14036,7 @@
 </p:sld>
 </file>
 
-<file path=ppt/slides/slide41.xml><?xml version="1.0" encoding="utf-8"?>
+<file path=ppt/slides/slide42.xml><?xml version="1.0" encoding="utf-8"?>
 <p:sld xmlns:a="http://schemas.openxmlformats.org/drawingml/2006/main" xmlns:r="http://schemas.openxmlformats.org/officeDocument/2006/relationships" xmlns:p="http://schemas.openxmlformats.org/presentationml/2006/main">
   <p:cSld>
     <p:spTree>
@@ -13981,7 +14157,7 @@
 </p:sld>
 </file>
 
-<file path=ppt/slides/slide42.xml><?xml version="1.0" encoding="utf-8"?>
+<file path=ppt/slides/slide43.xml><?xml version="1.0" encoding="utf-8"?>
 <p:sld xmlns:a="http://schemas.openxmlformats.org/drawingml/2006/main" xmlns:r="http://schemas.openxmlformats.org/officeDocument/2006/relationships" xmlns:p="http://schemas.openxmlformats.org/presentationml/2006/main">
   <p:cSld>
     <p:spTree>
@@ -14105,7 +14281,7 @@
 </p:sld>
 </file>
 
-<file path=ppt/slides/slide43.xml><?xml version="1.0" encoding="utf-8"?>
+<file path=ppt/slides/slide44.xml><?xml version="1.0" encoding="utf-8"?>
 <p:sld xmlns:a="http://schemas.openxmlformats.org/drawingml/2006/main" xmlns:r="http://schemas.openxmlformats.org/officeDocument/2006/relationships" xmlns:p="http://schemas.openxmlformats.org/presentationml/2006/main">
   <p:cSld>
     <p:spTree>
@@ -14201,10 +14377,10 @@
       </p:sp>
       <p:pic>
         <p:nvPicPr>
-          <p:cNvPr id="4" name="Picture 3">
+          <p:cNvPr id="6" name="Picture 5">
             <a:extLst>
               <a:ext uri="{FF2B5EF4-FFF2-40B4-BE49-F238E27FC236}">
-                <a16:creationId xmlns:a16="http://schemas.microsoft.com/office/drawing/2014/main" id="{AF5A0027-ABF4-4B3D-907B-DEF40279802F}"/>
+                <a16:creationId xmlns:a16="http://schemas.microsoft.com/office/drawing/2014/main" id="{FFD6CE8B-94CC-4EDF-B54A-699BDCA3D843}"/>
               </a:ext>
             </a:extLst>
           </p:cNvPr>
@@ -14221,8 +14397,8 @@
         </p:blipFill>
         <p:spPr>
           <a:xfrm>
-            <a:off x="2411760" y="1606656"/>
-            <a:ext cx="5940152" cy="2843357"/>
+            <a:off x="2214563" y="1532506"/>
+            <a:ext cx="3725590" cy="2829943"/>
           </a:xfrm>
           <a:prstGeom prst="rect">
             <a:avLst/>
@@ -14242,7 +14418,7 @@
 </p:sld>
 </file>
 
-<file path=ppt/slides/slide44.xml><?xml version="1.0" encoding="utf-8"?>
+<file path=ppt/slides/slide45.xml><?xml version="1.0" encoding="utf-8"?>
 <p:sld xmlns:a="http://schemas.openxmlformats.org/drawingml/2006/main" xmlns:r="http://schemas.openxmlformats.org/officeDocument/2006/relationships" xmlns:p="http://schemas.openxmlformats.org/presentationml/2006/main">
   <p:cSld>
     <p:spTree>
@@ -14355,7 +14531,7 @@
 </p:sld>
 </file>
 
-<file path=ppt/slides/slide45.xml><?xml version="1.0" encoding="utf-8"?>
+<file path=ppt/slides/slide46.xml><?xml version="1.0" encoding="utf-8"?>
 <p:sld xmlns:a="http://schemas.openxmlformats.org/drawingml/2006/main" xmlns:r="http://schemas.openxmlformats.org/officeDocument/2006/relationships" xmlns:p="http://schemas.openxmlformats.org/presentationml/2006/main">
   <p:cSld>
     <p:spTree>
@@ -14479,7 +14655,7 @@
 </p:sld>
 </file>
 
-<file path=ppt/slides/slide46.xml><?xml version="1.0" encoding="utf-8"?>
+<file path=ppt/slides/slide47.xml><?xml version="1.0" encoding="utf-8"?>
 <p:sld xmlns:a="http://schemas.openxmlformats.org/drawingml/2006/main" xmlns:r="http://schemas.openxmlformats.org/officeDocument/2006/relationships" xmlns:p="http://schemas.openxmlformats.org/presentationml/2006/main">
   <p:cSld>
     <p:spTree>
@@ -14571,7 +14747,7 @@
 </p:sld>
 </file>
 
-<file path=ppt/slides/slide47.xml><?xml version="1.0" encoding="utf-8"?>
+<file path=ppt/slides/slide48.xml><?xml version="1.0" encoding="utf-8"?>
 <p:sld xmlns:a="http://schemas.openxmlformats.org/drawingml/2006/main" xmlns:r="http://schemas.openxmlformats.org/officeDocument/2006/relationships" xmlns:p="http://schemas.openxmlformats.org/presentationml/2006/main">
   <p:cSld>
     <p:spTree>
@@ -14694,7 +14870,7 @@
 </p:sld>
 </file>
 
-<file path=ppt/slides/slide48.xml><?xml version="1.0" encoding="utf-8"?>
+<file path=ppt/slides/slide49.xml><?xml version="1.0" encoding="utf-8"?>
 <p:sld xmlns:a="http://schemas.openxmlformats.org/drawingml/2006/main" xmlns:r="http://schemas.openxmlformats.org/officeDocument/2006/relationships" xmlns:p="http://schemas.openxmlformats.org/presentationml/2006/main">
   <p:cSld>
     <p:spTree>
@@ -14805,101 +14981,6 @@
     <p:extLst>
       <p:ext uri="{BB962C8B-B14F-4D97-AF65-F5344CB8AC3E}">
         <p14:creationId xmlns:p14="http://schemas.microsoft.com/office/powerpoint/2010/main" val="3181879149"/>
-      </p:ext>
-    </p:extLst>
-  </p:cSld>
-  <p:clrMapOvr>
-    <a:masterClrMapping/>
-  </p:clrMapOvr>
-</p:sld>
-</file>
-
-<file path=ppt/slides/slide49.xml><?xml version="1.0" encoding="utf-8"?>
-<p:sld xmlns:a="http://schemas.openxmlformats.org/drawingml/2006/main" xmlns:r="http://schemas.openxmlformats.org/officeDocument/2006/relationships" xmlns:p="http://schemas.openxmlformats.org/presentationml/2006/main">
-  <p:cSld>
-    <p:spTree>
-      <p:nvGrpSpPr>
-        <p:cNvPr id="1" name=""/>
-        <p:cNvGrpSpPr/>
-        <p:nvPr/>
-      </p:nvGrpSpPr>
-      <p:grpSpPr>
-        <a:xfrm>
-          <a:off x="0" y="0"/>
-          <a:ext cx="0" cy="0"/>
-          <a:chOff x="0" y="0"/>
-          <a:chExt cx="0" cy="0"/>
-        </a:xfrm>
-      </p:grpSpPr>
-      <p:sp>
-        <p:nvSpPr>
-          <p:cNvPr id="2" name="Title 1">
-            <a:extLst>
-              <a:ext uri="{FF2B5EF4-FFF2-40B4-BE49-F238E27FC236}">
-                <a16:creationId xmlns:a16="http://schemas.microsoft.com/office/drawing/2014/main" id="{74F43FF9-685A-4EB1-9D6B-B7AE882EBE31}"/>
-              </a:ext>
-            </a:extLst>
-          </p:cNvPr>
-          <p:cNvSpPr>
-            <a:spLocks noGrp="1"/>
-          </p:cNvSpPr>
-          <p:nvPr>
-            <p:ph type="title"/>
-          </p:nvPr>
-        </p:nvSpPr>
-        <p:spPr/>
-        <p:txBody>
-          <a:bodyPr/>
-          <a:lstStyle/>
-          <a:p>
-            <a:r>
-              <a:rPr lang="en-GB" dirty="0"/>
-              <a:t>Launch Handler</a:t>
-            </a:r>
-          </a:p>
-        </p:txBody>
-      </p:sp>
-      <p:sp>
-        <p:nvSpPr>
-          <p:cNvPr id="3" name="Content Placeholder 2">
-            <a:extLst>
-              <a:ext uri="{FF2B5EF4-FFF2-40B4-BE49-F238E27FC236}">
-                <a16:creationId xmlns:a16="http://schemas.microsoft.com/office/drawing/2014/main" id="{723896F1-BDFE-4B47-A9A8-35AE4D110A87}"/>
-              </a:ext>
-            </a:extLst>
-          </p:cNvPr>
-          <p:cNvSpPr>
-            <a:spLocks noGrp="1"/>
-          </p:cNvSpPr>
-          <p:nvPr>
-            <p:ph idx="1"/>
-          </p:nvPr>
-        </p:nvSpPr>
-        <p:spPr/>
-        <p:txBody>
-          <a:bodyPr/>
-          <a:lstStyle/>
-          <a:p>
-            <a:r>
-              <a:rPr lang="en-GB" dirty="0"/>
-              <a:t>Let us look at launch – this is what is said when we ‘invoke’ our ‘skill’</a:t>
-            </a:r>
-          </a:p>
-          <a:p>
-            <a:endParaRPr lang="en-GB" dirty="0"/>
-          </a:p>
-          <a:p>
-            <a:r>
-              <a:rPr lang="en-GB" dirty="0"/>
-              <a:t>Add the change in to make it more relevant than hello world</a:t>
-            </a:r>
-          </a:p>
-        </p:txBody>
-      </p:sp>
-    </p:spTree>
-    <p:extLst>
-      <p:ext uri="{BB962C8B-B14F-4D97-AF65-F5344CB8AC3E}">
-        <p14:creationId xmlns:p14="http://schemas.microsoft.com/office/powerpoint/2010/main" val="2396626070"/>
       </p:ext>
     </p:extLst>
   </p:cSld>
@@ -15060,6 +15141,101 @@
           <p:cNvPr id="2" name="Title 1">
             <a:extLst>
               <a:ext uri="{FF2B5EF4-FFF2-40B4-BE49-F238E27FC236}">
+                <a16:creationId xmlns:a16="http://schemas.microsoft.com/office/drawing/2014/main" id="{74F43FF9-685A-4EB1-9D6B-B7AE882EBE31}"/>
+              </a:ext>
+            </a:extLst>
+          </p:cNvPr>
+          <p:cNvSpPr>
+            <a:spLocks noGrp="1"/>
+          </p:cNvSpPr>
+          <p:nvPr>
+            <p:ph type="title"/>
+          </p:nvPr>
+        </p:nvSpPr>
+        <p:spPr/>
+        <p:txBody>
+          <a:bodyPr/>
+          <a:lstStyle/>
+          <a:p>
+            <a:r>
+              <a:rPr lang="en-GB" dirty="0"/>
+              <a:t>Launch Handler</a:t>
+            </a:r>
+          </a:p>
+        </p:txBody>
+      </p:sp>
+      <p:sp>
+        <p:nvSpPr>
+          <p:cNvPr id="3" name="Content Placeholder 2">
+            <a:extLst>
+              <a:ext uri="{FF2B5EF4-FFF2-40B4-BE49-F238E27FC236}">
+                <a16:creationId xmlns:a16="http://schemas.microsoft.com/office/drawing/2014/main" id="{723896F1-BDFE-4B47-A9A8-35AE4D110A87}"/>
+              </a:ext>
+            </a:extLst>
+          </p:cNvPr>
+          <p:cNvSpPr>
+            <a:spLocks noGrp="1"/>
+          </p:cNvSpPr>
+          <p:nvPr>
+            <p:ph idx="1"/>
+          </p:nvPr>
+        </p:nvSpPr>
+        <p:spPr/>
+        <p:txBody>
+          <a:bodyPr/>
+          <a:lstStyle/>
+          <a:p>
+            <a:r>
+              <a:rPr lang="en-GB" dirty="0"/>
+              <a:t>Let us look at launch – this is what is said when we ‘invoke’ our ‘skill’</a:t>
+            </a:r>
+          </a:p>
+          <a:p>
+            <a:endParaRPr lang="en-GB" dirty="0"/>
+          </a:p>
+          <a:p>
+            <a:r>
+              <a:rPr lang="en-GB" dirty="0"/>
+              <a:t>Add the change in to make it more relevant than hello world</a:t>
+            </a:r>
+          </a:p>
+        </p:txBody>
+      </p:sp>
+    </p:spTree>
+    <p:extLst>
+      <p:ext uri="{BB962C8B-B14F-4D97-AF65-F5344CB8AC3E}">
+        <p14:creationId xmlns:p14="http://schemas.microsoft.com/office/powerpoint/2010/main" val="2396626070"/>
+      </p:ext>
+    </p:extLst>
+  </p:cSld>
+  <p:clrMapOvr>
+    <a:masterClrMapping/>
+  </p:clrMapOvr>
+</p:sld>
+</file>
+
+<file path=ppt/slides/slide51.xml><?xml version="1.0" encoding="utf-8"?>
+<p:sld xmlns:a="http://schemas.openxmlformats.org/drawingml/2006/main" xmlns:r="http://schemas.openxmlformats.org/officeDocument/2006/relationships" xmlns:p="http://schemas.openxmlformats.org/presentationml/2006/main">
+  <p:cSld>
+    <p:spTree>
+      <p:nvGrpSpPr>
+        <p:cNvPr id="1" name=""/>
+        <p:cNvGrpSpPr/>
+        <p:nvPr/>
+      </p:nvGrpSpPr>
+      <p:grpSpPr>
+        <a:xfrm>
+          <a:off x="0" y="0"/>
+          <a:ext cx="0" cy="0"/>
+          <a:chOff x="0" y="0"/>
+          <a:chExt cx="0" cy="0"/>
+        </a:xfrm>
+      </p:grpSpPr>
+      <p:sp>
+        <p:nvSpPr>
+          <p:cNvPr id="2" name="Title 1">
+            <a:extLst>
+              <a:ext uri="{FF2B5EF4-FFF2-40B4-BE49-F238E27FC236}">
                 <a16:creationId xmlns:a16="http://schemas.microsoft.com/office/drawing/2014/main" id="{3D494FB5-AF53-491F-B8C8-98956EE1E60D}"/>
               </a:ext>
             </a:extLst>
@@ -15149,7 +15325,7 @@
 </p:sld>
 </file>
 
-<file path=ppt/slides/slide51.xml><?xml version="1.0" encoding="utf-8"?>
+<file path=ppt/slides/slide52.xml><?xml version="1.0" encoding="utf-8"?>
 <p:sld xmlns:a="http://schemas.openxmlformats.org/drawingml/2006/main" xmlns:r="http://schemas.openxmlformats.org/officeDocument/2006/relationships" xmlns:p="http://schemas.openxmlformats.org/presentationml/2006/main">
   <p:cSld>
     <p:spTree>
@@ -15223,7 +15399,7 @@
           <a:p>
             <a:r>
               <a:rPr lang="en-GB" sz="2200" dirty="0"/>
-              <a:t>Change this to add our handler in</a:t>
+              <a:t>Change this to add our new handler</a:t>
             </a:r>
           </a:p>
           <a:p>
@@ -15266,7 +15442,7 @@
 </p:sld>
 </file>
 
-<file path=ppt/slides/slide52.xml><?xml version="1.0" encoding="utf-8"?>
+<file path=ppt/slides/slide53.xml><?xml version="1.0" encoding="utf-8"?>
 <p:sld xmlns:a="http://schemas.openxmlformats.org/drawingml/2006/main" xmlns:r="http://schemas.openxmlformats.org/officeDocument/2006/relationships" xmlns:p="http://schemas.openxmlformats.org/presentationml/2006/main">
   <p:cSld>
     <p:spTree>
@@ -15370,7 +15546,7 @@
 </p:sld>
 </file>
 
-<file path=ppt/slides/slide53.xml><?xml version="1.0" encoding="utf-8"?>
+<file path=ppt/slides/slide54.xml><?xml version="1.0" encoding="utf-8"?>
 <p:sld xmlns:a="http://schemas.openxmlformats.org/drawingml/2006/main" xmlns:r="http://schemas.openxmlformats.org/officeDocument/2006/relationships" xmlns:p="http://schemas.openxmlformats.org/presentationml/2006/main">
   <p:cSld>
     <p:spTree>
@@ -15471,7 +15647,7 @@
 </p:sld>
 </file>
 
-<file path=ppt/slides/slide54.xml><?xml version="1.0" encoding="utf-8"?>
+<file path=ppt/slides/slide55.xml><?xml version="1.0" encoding="utf-8"?>
 <p:sld xmlns:a="http://schemas.openxmlformats.org/drawingml/2006/main" xmlns:r="http://schemas.openxmlformats.org/officeDocument/2006/relationships" xmlns:p="http://schemas.openxmlformats.org/presentationml/2006/main">
   <p:cSld>
     <p:spTree>
@@ -15566,17 +15742,26 @@
           <a:p>
             <a:r>
               <a:rPr lang="en-GB" sz="2000" dirty="0">
-                <a:latin typeface="Calibri" pitchFamily="34" charset="0"/>
                 <a:hlinkClick r:id="rId5"/>
               </a:rPr>
-              <a:t>https://www.newnaw.com/pub/js/webglglobe/worldelevation/</a:t>
-            </a:r>
+              <a:t>https://students.washington.edu/aodhan/webgl_globe.html</a:t>
+            </a:r>
+            <a:endParaRPr lang="en-GB" sz="2000" dirty="0"/>
+          </a:p>
+          <a:p>
             <a:r>
               <a:rPr lang="en-GB" sz="2000" dirty="0">
-                <a:latin typeface="Calibri" pitchFamily="34" charset="0"/>
-              </a:rPr>
-              <a:t> </a:t>
-            </a:r>
+                <a:hlinkClick r:id="rId6"/>
+              </a:rPr>
+              <a:t>https://www.autodraw.com/</a:t>
+            </a:r>
+            <a:endParaRPr lang="en-GB" sz="2000" dirty="0"/>
+          </a:p>
+          <a:p>
+            <a:endParaRPr lang="en-GB" sz="2000" dirty="0"/>
+          </a:p>
+          <a:p>
+            <a:endParaRPr lang="en-GB" sz="2000" dirty="0"/>
           </a:p>
         </p:txBody>
       </p:sp>
@@ -15593,7 +15778,7 @@
 </p:sld>
 </file>
 
-<file path=ppt/slides/slide55.xml><?xml version="1.0" encoding="utf-8"?>
+<file path=ppt/slides/slide56.xml><?xml version="1.0" encoding="utf-8"?>
 <p:sld xmlns:a="http://schemas.openxmlformats.org/drawingml/2006/main" xmlns:r="http://schemas.openxmlformats.org/officeDocument/2006/relationships" xmlns:p="http://schemas.openxmlformats.org/presentationml/2006/main">
   <p:cSld>
     <p:spTree>
@@ -15820,96 +16005,6 @@
         <p14:creationId xmlns:p14="http://schemas.microsoft.com/office/powerpoint/2010/main" val="1172941784"/>
       </p:ext>
     </p:extLst>
-  </p:cSld>
-  <p:clrMapOvr>
-    <a:masterClrMapping/>
-  </p:clrMapOvr>
-</p:sld>
-</file>
-
-<file path=ppt/slides/slide56.xml><?xml version="1.0" encoding="utf-8"?>
-<p:sld xmlns:a="http://schemas.openxmlformats.org/drawingml/2006/main" xmlns:r="http://schemas.openxmlformats.org/officeDocument/2006/relationships" xmlns:p="http://schemas.openxmlformats.org/presentationml/2006/main">
-  <p:cSld>
-    <p:spTree>
-      <p:nvGrpSpPr>
-        <p:cNvPr id="1" name=""/>
-        <p:cNvGrpSpPr/>
-        <p:nvPr/>
-      </p:nvGrpSpPr>
-      <p:grpSpPr>
-        <a:xfrm>
-          <a:off x="0" y="0"/>
-          <a:ext cx="0" cy="0"/>
-          <a:chOff x="0" y="0"/>
-          <a:chExt cx="0" cy="0"/>
-        </a:xfrm>
-      </p:grpSpPr>
-      <p:pic>
-        <p:nvPicPr>
-          <p:cNvPr id="3" name="Picture 2">
-            <a:extLst>
-              <a:ext uri="{FF2B5EF4-FFF2-40B4-BE49-F238E27FC236}">
-                <a16:creationId xmlns:a16="http://schemas.microsoft.com/office/drawing/2014/main" id="{9B2DC61E-204D-C840-8BEF-75616981E6EC}"/>
-              </a:ext>
-            </a:extLst>
-          </p:cNvPr>
-          <p:cNvPicPr>
-            <a:picLocks noChangeAspect="1"/>
-          </p:cNvPicPr>
-          <p:nvPr/>
-        </p:nvPicPr>
-        <p:blipFill>
-          <a:blip r:embed="rId2"/>
-          <a:stretch>
-            <a:fillRect/>
-          </a:stretch>
-        </p:blipFill>
-        <p:spPr>
-          <a:xfrm>
-            <a:off x="0" y="0"/>
-            <a:ext cx="9144000" cy="5143500"/>
-          </a:xfrm>
-          <a:prstGeom prst="rect">
-            <a:avLst/>
-          </a:prstGeom>
-        </p:spPr>
-      </p:pic>
-      <p:pic>
-        <p:nvPicPr>
-          <p:cNvPr id="5" name="Picture 4" descr="M9635 Powerpoint New end panel 16 9.pdf">
-            <a:extLst>
-              <a:ext uri="{FF2B5EF4-FFF2-40B4-BE49-F238E27FC236}">
-                <a16:creationId xmlns:a16="http://schemas.microsoft.com/office/drawing/2014/main" id="{E6FC832E-D771-0A47-9D19-7107C840F350}"/>
-              </a:ext>
-            </a:extLst>
-          </p:cNvPr>
-          <p:cNvPicPr>
-            <a:picLocks noChangeAspect="1"/>
-          </p:cNvPicPr>
-          <p:nvPr/>
-        </p:nvPicPr>
-        <p:blipFill rotWithShape="1">
-          <a:blip r:embed="rId3">
-            <a:extLst>
-              <a:ext uri="{28A0092B-C50C-407E-A947-70E740481C1C}">
-                <a14:useLocalDpi xmlns:a14="http://schemas.microsoft.com/office/drawing/2010/main" val="0"/>
-              </a:ext>
-            </a:extLst>
-          </a:blip>
-          <a:srcRect t="96175"/>
-          <a:stretch/>
-        </p:blipFill>
-        <p:spPr>
-          <a:xfrm>
-            <a:off x="0" y="4948013"/>
-            <a:ext cx="9144000" cy="196759"/>
-          </a:xfrm>
-          <a:prstGeom prst="rect">
-            <a:avLst/>
-          </a:prstGeom>
-        </p:spPr>
-      </p:pic>
-    </p:spTree>
   </p:cSld>
   <p:clrMapOvr>
     <a:masterClrMapping/>

--- a/rpsc2023.pptx
+++ b/rpsc2023.pptx
@@ -422,7 +422,7 @@
           <a:p>
             <a:fld id="{4AA51AEC-D0A1-4FA9-895A-9A8FFF7736B3}" type="datetimeFigureOut">
               <a:rPr lang="en-GB" smtClean="0"/>
-              <a:t>17/10/2023</a:t>
+              <a:t>09/07/2024</a:t>
             </a:fld>
             <a:endParaRPr lang="en-GB" dirty="0"/>
           </a:p>
@@ -701,7 +701,7 @@
               <a:pPr>
                 <a:defRPr/>
               </a:pPr>
-              <a:t>17/10/2023</a:t>
+              <a:t>09/07/2024</a:t>
             </a:fld>
             <a:endParaRPr lang="en-GB" altLang="en-US" dirty="0"/>
           </a:p>
@@ -9324,7 +9324,7 @@
                 <a:ea typeface="Tahoma" panose="020B0604030504040204" pitchFamily="34" charset="0"/>
                 <a:cs typeface="Tahoma" panose="020B0604030504040204" pitchFamily="34" charset="0"/>
               </a:rPr>
-              <a:t>Welcome to the </a:t>
+              <a:t>Welcome to </a:t>
             </a:r>
             <a:r>
               <a:rPr lang="en-GB" dirty="0">
@@ -9335,7 +9335,7 @@
                 <a:ea typeface="Tahoma" panose="020B0604030504040204" pitchFamily="34" charset="0"/>
                 <a:cs typeface="Tahoma" panose="020B0604030504040204" pitchFamily="34" charset="0"/>
               </a:rPr>
-              <a:t>Department of Computing</a:t>
+              <a:t>Computing</a:t>
             </a:r>
           </a:p>
           <a:p>
@@ -9822,9 +9822,12 @@
               </a:spcBef>
             </a:pPr>
             <a:r>
-              <a:rPr lang="en-GB" sz="2000" dirty="0"/>
-              <a:t>We don’t have time today for you to try</a:t>
-            </a:r>
+              <a:rPr lang="en-GB" sz="2000" dirty="0">
+                <a:hlinkClick r:id="rId2"/>
+              </a:rPr>
+              <a:t>https://github.com/fi67/startPoint</a:t>
+            </a:r>
+            <a:endParaRPr lang="en-GB" sz="2000" dirty="0"/>
           </a:p>
           <a:p>
             <a:pPr>
@@ -9834,33 +9837,8 @@
             </a:pPr>
             <a:r>
               <a:rPr lang="en-GB" sz="2000" dirty="0"/>
-              <a:t>BUT</a:t>
-            </a:r>
-          </a:p>
-          <a:p>
-            <a:pPr>
-              <a:spcBef>
-                <a:spcPts val="900"/>
-              </a:spcBef>
-            </a:pPr>
-            <a:r>
-              <a:rPr lang="en-GB" sz="2000" dirty="0"/>
-              <a:t>Download zip at home if you want to try it</a:t>
-            </a:r>
-          </a:p>
-          <a:p>
-            <a:pPr>
-              <a:spcBef>
-                <a:spcPts val="900"/>
-              </a:spcBef>
-            </a:pPr>
-            <a:r>
-              <a:rPr lang="en-GB" sz="2000" dirty="0">
-                <a:hlinkClick r:id="rId2"/>
-              </a:rPr>
-              <a:t>https://github.com/fi67/startPoint</a:t>
-            </a:r>
-            <a:endParaRPr lang="en-GB" sz="2000" dirty="0"/>
+              <a:t>Download zip </a:t>
+            </a:r>
           </a:p>
         </p:txBody>
       </p:sp>
@@ -10142,7 +10120,7 @@
             <a:pPr lvl="1"/>
             <a:r>
               <a:rPr lang="en-GB" dirty="0"/>
-              <a:t>Build it on Alexa</a:t>
+              <a:t>Demo of it on Alexa</a:t>
             </a:r>
           </a:p>
         </p:txBody>
@@ -10953,6 +10931,20 @@
                 <a:ea typeface="Tahoma"/>
               </a:rPr>
               <a:t>Lecturer in Computer Science, web and programming</a:t>
+            </a:r>
+          </a:p>
+          <a:p>
+            <a:r>
+              <a:rPr lang="en-GB" sz="2000" dirty="0">
+                <a:solidFill>
+                  <a:schemeClr val="tx1">
+                    <a:lumMod val="95000"/>
+                    <a:lumOff val="5000"/>
+                  </a:schemeClr>
+                </a:solidFill>
+                <a:ea typeface="Tahoma"/>
+              </a:rPr>
+              <a:t>Award Leader Software Development</a:t>
             </a:r>
           </a:p>
           <a:p>
@@ -11374,7 +11366,7 @@
           <a:p>
             <a:r>
               <a:rPr lang="en-GB" dirty="0"/>
-              <a:t>Need an adult to set up the account</a:t>
+              <a:t>Need to set up the account</a:t>
             </a:r>
           </a:p>
         </p:txBody>
